--- a/Presentation/20161112_TUM_FinalPresentation.pptx
+++ b/Presentation/20161112_TUM_FinalPresentation.pptx
@@ -6,21 +6,23 @@
     <p:sldMasterId id="2147483675" r:id="rId2"/>
   </p:sldMasterIdLst>
   <p:notesMasterIdLst>
-    <p:notesMasterId r:id="rId7"/>
+    <p:notesMasterId r:id="rId9"/>
   </p:notesMasterIdLst>
   <p:handoutMasterIdLst>
-    <p:handoutMasterId r:id="rId8"/>
+    <p:handoutMasterId r:id="rId10"/>
   </p:handoutMasterIdLst>
   <p:sldIdLst>
     <p:sldId id="256" r:id="rId3"/>
-    <p:sldId id="378" r:id="rId4"/>
-    <p:sldId id="354" r:id="rId5"/>
-    <p:sldId id="379" r:id="rId6"/>
+    <p:sldId id="354" r:id="rId4"/>
+    <p:sldId id="380" r:id="rId5"/>
+    <p:sldId id="378" r:id="rId6"/>
+    <p:sldId id="379" r:id="rId7"/>
+    <p:sldId id="381" r:id="rId8"/>
   </p:sldIdLst>
   <p:sldSz cx="9144000" cy="6858000" type="screen4x3"/>
   <p:notesSz cx="6858000" cy="9144000"/>
   <p:custDataLst>
-    <p:tags r:id="rId9"/>
+    <p:tags r:id="rId11"/>
   </p:custDataLst>
   <p:defaultTextStyle>
     <a:defPPr>
@@ -498,6 +500,111 @@
   <p:clrMap bg1="lt1" tx1="dk1" bg2="lt2" tx2="dk2" accent1="accent1" accent2="accent2" accent3="accent3" accent4="accent4" accent5="accent5" accent6="accent6" hlink="hlink" folHlink="folHlink"/>
   <p:hf hdr="0"/>
 </p:handoutMaster>
+</file>
+
+<file path=ppt/ink/ink1.xml><?xml version="1.0" encoding="utf-8"?>
+<inkml:ink xmlns:inkml="http://www.w3.org/2003/InkML">
+  <inkml:definitions>
+    <inkml:context xml:id="ctx0">
+      <inkml:inkSource xml:id="inkSrc0">
+        <inkml:traceFormat>
+          <inkml:channel name="X" type="integer" min="-2.14748E9" max="2.14748E9" units="cm"/>
+          <inkml:channel name="Y" type="integer" min="-2.14748E9" max="2.14748E9" units="cm"/>
+        </inkml:traceFormat>
+        <inkml:channelProperties>
+          <inkml:channelProperty channel="X" name="resolution" value="1000" units="1/cm"/>
+          <inkml:channelProperty channel="Y" name="resolution" value="1000" units="1/cm"/>
+        </inkml:channelProperties>
+      </inkml:inkSource>
+      <inkml:timestamp xml:id="ts0" timeString="2016-11-13T12:05:16.006"/>
+    </inkml:context>
+    <inkml:brush xml:id="br0">
+      <inkml:brushProperty name="width" value="0.04667" units="cm"/>
+      <inkml:brushProperty name="height" value="0.04667" units="cm"/>
+      <inkml:brushProperty name="ignorePressure" value="1"/>
+    </inkml:brush>
+  </inkml:definitions>
+  <inkml:trace contextRef="#ctx0" brushRef="#br0">22106 21088,'0'0</inkml:trace>
+</inkml:ink>
+</file>
+
+<file path=ppt/ink/ink2.xml><?xml version="1.0" encoding="utf-8"?>
+<inkml:ink xmlns:inkml="http://www.w3.org/2003/InkML">
+  <inkml:definitions>
+    <inkml:context xml:id="ctx0">
+      <inkml:inkSource xml:id="inkSrc0">
+        <inkml:traceFormat>
+          <inkml:channel name="X" type="integer" min="-2.14748E9" max="2.14748E9" units="cm"/>
+          <inkml:channel name="Y" type="integer" min="-2.14748E9" max="2.14748E9" units="cm"/>
+        </inkml:traceFormat>
+        <inkml:channelProperties>
+          <inkml:channelProperty channel="X" name="resolution" value="1000" units="1/cm"/>
+          <inkml:channelProperty channel="Y" name="resolution" value="1000" units="1/cm"/>
+        </inkml:channelProperties>
+      </inkml:inkSource>
+      <inkml:timestamp xml:id="ts0" timeString="2016-11-13T12:05:16.537"/>
+    </inkml:context>
+    <inkml:brush xml:id="br0">
+      <inkml:brushProperty name="width" value="0.04667" units="cm"/>
+      <inkml:brushProperty name="height" value="0.04667" units="cm"/>
+      <inkml:brushProperty name="ignorePressure" value="1"/>
+    </inkml:brush>
+  </inkml:definitions>
+  <inkml:traceGroup>
+    <inkml:annotationXML>
+      <emma:emma xmlns:emma="http://www.w3.org/2003/04/emma" version="1.0">
+        <emma:interpretation id="{3CA33A16-FA7C-45D1-9D08-E869DD755AD9}" emma:medium="tactile" emma:mode="ink">
+          <msink:context xmlns:msink="http://schemas.microsoft.com/ink/2010/main" type="writingRegion" rotatedBoundingBox="4494,12426 4509,12426 4509,12441 4494,12441"/>
+        </emma:interpretation>
+      </emma:emma>
+    </inkml:annotationXML>
+    <inkml:traceGroup>
+      <inkml:annotationXML>
+        <emma:emma xmlns:emma="http://www.w3.org/2003/04/emma" version="1.0">
+          <emma:interpretation id="{81489607-1D59-4A1D-9A74-A712CE2E5441}" emma:medium="tactile" emma:mode="ink">
+            <msink:context xmlns:msink="http://schemas.microsoft.com/ink/2010/main" type="paragraph" rotatedBoundingBox="4494,12426 4509,12426 4509,12441 4494,12441" alignmentLevel="1"/>
+          </emma:interpretation>
+        </emma:emma>
+      </inkml:annotationXML>
+      <inkml:traceGroup>
+        <inkml:annotationXML>
+          <emma:emma xmlns:emma="http://www.w3.org/2003/04/emma" version="1.0">
+            <emma:interpretation id="{E95DF07B-A884-4A19-BBD4-0A5294214C11}" emma:medium="tactile" emma:mode="ink">
+              <msink:context xmlns:msink="http://schemas.microsoft.com/ink/2010/main" type="line" rotatedBoundingBox="4494,12426 4509,12426 4509,12441 4494,12441"/>
+            </emma:interpretation>
+          </emma:emma>
+        </inkml:annotationXML>
+        <inkml:traceGroup>
+          <inkml:annotationXML>
+            <emma:emma xmlns:emma="http://www.w3.org/2003/04/emma" version="1.0">
+              <emma:interpretation id="{53BB6484-04F3-4A24-9A82-D0DE314B13EF}" emma:medium="tactile" emma:mode="ink">
+                <msink:context xmlns:msink="http://schemas.microsoft.com/ink/2010/main" type="inkWord" rotatedBoundingBox="4494,12426 4509,12426 4509,12441 4494,12441"/>
+              </emma:interpretation>
+              <emma:one-of disjunction-type="recognition" id="oneOf0">
+                <emma:interpretation id="interp0" emma:lang="de-DE" emma:confidence="0">
+                  <emma:literal>.</emma:literal>
+                </emma:interpretation>
+                <emma:interpretation id="interp1" emma:lang="de-DE" emma:confidence="0">
+                  <emma:literal>'</emma:literal>
+                </emma:interpretation>
+                <emma:interpretation id="interp2" emma:lang="de-DE" emma:confidence="0">
+                  <emma:literal>*</emma:literal>
+                </emma:interpretation>
+                <emma:interpretation id="interp3" emma:lang="de-DE" emma:confidence="0">
+                  <emma:literal>,</emma:literal>
+                </emma:interpretation>
+                <emma:interpretation id="interp4" emma:lang="de-DE" emma:confidence="0">
+                  <emma:literal>l</emma:literal>
+                </emma:interpretation>
+              </emma:one-of>
+            </emma:emma>
+          </inkml:annotationXML>
+          <inkml:trace contextRef="#ctx0" brushRef="#br0">15628 18907,'0'0</inkml:trace>
+        </inkml:traceGroup>
+      </inkml:traceGroup>
+    </inkml:traceGroup>
+  </inkml:traceGroup>
+</inkml:ink>
 </file>
 
 <file path=ppt/notesMasters/notesMaster1.xml><?xml version="1.0" encoding="utf-8"?>
@@ -1281,6 +1388,66 @@
           <a:bodyPr/>
           <a:lstStyle/>
           <a:p>
+            <a:r>
+              <a:rPr lang="en-US" dirty="0"/>
+              <a:t>Talk:</a:t>
+            </a:r>
+            <a:r>
+              <a:rPr lang="en-US" baseline="0" dirty="0"/>
+              <a:t> </a:t>
+            </a:r>
+          </a:p>
+          <a:p>
+            <a:r>
+              <a:rPr lang="en-US" baseline="0" dirty="0"/>
+              <a:t>Mention that there will be an introduction to </a:t>
+            </a:r>
+            <a:r>
+              <a:rPr lang="en-US" baseline="0" dirty="0" err="1"/>
+              <a:t>Ethereum</a:t>
+            </a:r>
+            <a:r>
+              <a:rPr lang="en-US" baseline="0" dirty="0"/>
+              <a:t> for those who never worked with the platform.</a:t>
+            </a:r>
+          </a:p>
+          <a:p>
+            <a:r>
+              <a:rPr lang="en-US" baseline="0" dirty="0"/>
+              <a:t>„If you ever wanted to get the </a:t>
+            </a:r>
+            <a:r>
+              <a:rPr lang="en-US" baseline="0" dirty="0" err="1"/>
+              <a:t>blockchain</a:t>
+            </a:r>
+            <a:r>
+              <a:rPr lang="en-US" baseline="0" dirty="0"/>
+              <a:t> and smart contract technology better, here is your chance. For beginners we offer a tutorial in the form of hello world examples and an introduction to the tools. We also prepared an introduction to </a:t>
+            </a:r>
+            <a:r>
+              <a:rPr lang="en-US" baseline="0" dirty="0" err="1"/>
+              <a:t>Ethereum‘s</a:t>
+            </a:r>
+            <a:r>
+              <a:rPr lang="en-US" baseline="0" dirty="0"/>
+              <a:t> solidity language. If you are already an </a:t>
+            </a:r>
+            <a:r>
+              <a:rPr lang="en-US" baseline="0" dirty="0" err="1"/>
+              <a:t>Etheruem</a:t>
+            </a:r>
+            <a:r>
+              <a:rPr lang="en-US" baseline="0" dirty="0"/>
+              <a:t> you don‘t have to bother with the introduction. You can start with the </a:t>
+            </a:r>
+            <a:r>
+              <a:rPr lang="en-US" baseline="0" dirty="0" err="1"/>
+              <a:t>challange</a:t>
+            </a:r>
+            <a:r>
+              <a:rPr lang="en-US" baseline="0" dirty="0"/>
+              <a:t> immediately.“</a:t>
+            </a:r>
             <a:endParaRPr lang="en-US" dirty="0"/>
           </a:p>
         </p:txBody>
@@ -1434,66 +1601,6 @@
           <a:bodyPr/>
           <a:lstStyle/>
           <a:p>
-            <a:r>
-              <a:rPr lang="en-US" dirty="0"/>
-              <a:t>Talk:</a:t>
-            </a:r>
-            <a:r>
-              <a:rPr lang="en-US" baseline="0" dirty="0"/>
-              <a:t> </a:t>
-            </a:r>
-          </a:p>
-          <a:p>
-            <a:r>
-              <a:rPr lang="en-US" baseline="0" dirty="0"/>
-              <a:t>Mention that there will be an introduction to </a:t>
-            </a:r>
-            <a:r>
-              <a:rPr lang="en-US" baseline="0" dirty="0" err="1"/>
-              <a:t>Ethereum</a:t>
-            </a:r>
-            <a:r>
-              <a:rPr lang="en-US" baseline="0" dirty="0"/>
-              <a:t> for those who never worked with the platform.</a:t>
-            </a:r>
-          </a:p>
-          <a:p>
-            <a:r>
-              <a:rPr lang="en-US" baseline="0" dirty="0"/>
-              <a:t>„If you ever wanted to get the </a:t>
-            </a:r>
-            <a:r>
-              <a:rPr lang="en-US" baseline="0" dirty="0" err="1"/>
-              <a:t>blockchain</a:t>
-            </a:r>
-            <a:r>
-              <a:rPr lang="en-US" baseline="0" dirty="0"/>
-              <a:t> and smart contract technology better, here is your chance. For beginners we offer a tutorial in the form of hello world examples and an introduction to the tools. We also prepared an introduction to </a:t>
-            </a:r>
-            <a:r>
-              <a:rPr lang="en-US" baseline="0" dirty="0" err="1"/>
-              <a:t>Ethereum‘s</a:t>
-            </a:r>
-            <a:r>
-              <a:rPr lang="en-US" baseline="0" dirty="0"/>
-              <a:t> solidity language. If you are already an </a:t>
-            </a:r>
-            <a:r>
-              <a:rPr lang="en-US" baseline="0" dirty="0" err="1"/>
-              <a:t>Etheruem</a:t>
-            </a:r>
-            <a:r>
-              <a:rPr lang="en-US" baseline="0" dirty="0"/>
-              <a:t> you don‘t have to bother with the introduction. You can start with the </a:t>
-            </a:r>
-            <a:r>
-              <a:rPr lang="en-US" baseline="0" dirty="0" err="1"/>
-              <a:t>challange</a:t>
-            </a:r>
-            <a:r>
-              <a:rPr lang="en-US" baseline="0" dirty="0"/>
-              <a:t> immediately.“</a:t>
-            </a:r>
             <a:endParaRPr lang="en-US" dirty="0"/>
           </a:p>
         </p:txBody>
@@ -1575,7 +1682,7 @@
                 </a:solidFill>
               </a:rPr>
               <a:pPr/>
-              <a:t>3</a:t>
+              <a:t>4</a:t>
             </a:fld>
             <a:endParaRPr dirty="0">
               <a:solidFill>
@@ -1640,7 +1747,7 @@
           <a:graphicData uri="http://schemas.openxmlformats.org/presentationml/2006/ole">
             <mc:AlternateContent xmlns:mc="http://schemas.openxmlformats.org/markup-compatibility/2006">
               <mc:Choice xmlns:v="urn:schemas-microsoft-com:vml" Requires="v">
-                <p:oleObj spid="_x0000_s2281" name="think-cell Slide" r:id="rId7" imgW="270" imgH="270" progId="TCLayout.ActiveDocument.1">
+                <p:oleObj spid="_x0000_s2284" name="think-cell Slide" r:id="rId7" imgW="270" imgH="270" progId="TCLayout.ActiveDocument.1">
                   <p:embed/>
                 </p:oleObj>
               </mc:Choice>
@@ -4171,7 +4278,7 @@
           <a:graphicData uri="http://schemas.openxmlformats.org/presentationml/2006/ole">
             <mc:AlternateContent xmlns:mc="http://schemas.openxmlformats.org/markup-compatibility/2006">
               <mc:Choice xmlns:v="urn:schemas-microsoft-com:vml" Requires="v">
-                <p:oleObj spid="_x0000_s3291" name="think-cell Slide" r:id="rId6" imgW="270" imgH="270" progId="TCLayout.ActiveDocument.1">
+                <p:oleObj spid="_x0000_s3294" name="think-cell Slide" r:id="rId6" imgW="270" imgH="270" progId="TCLayout.ActiveDocument.1">
                   <p:embed/>
                 </p:oleObj>
               </mc:Choice>
@@ -4828,7 +4935,7 @@
           <a:graphicData uri="http://schemas.openxmlformats.org/presentationml/2006/ole">
             <mc:AlternateContent xmlns:mc="http://schemas.openxmlformats.org/markup-compatibility/2006">
               <mc:Choice xmlns:v="urn:schemas-microsoft-com:vml" Requires="v">
-                <p:oleObj spid="_x0000_s6202" name="think-cell Slide" r:id="rId7" imgW="270" imgH="270" progId="TCLayout.ActiveDocument.1">
+                <p:oleObj spid="_x0000_s6205" name="think-cell Slide" r:id="rId7" imgW="270" imgH="270" progId="TCLayout.ActiveDocument.1">
                   <p:embed/>
                 </p:oleObj>
               </mc:Choice>
@@ -5366,7 +5473,7 @@
           <a:graphicData uri="http://schemas.openxmlformats.org/presentationml/2006/ole">
             <mc:AlternateContent xmlns:mc="http://schemas.openxmlformats.org/markup-compatibility/2006">
               <mc:Choice xmlns:v="urn:schemas-microsoft-com:vml" Requires="v">
-                <p:oleObj spid="_x0000_s9221" name="think-cell Slide" r:id="rId5" imgW="270" imgH="270" progId="TCLayout.ActiveDocument.1">
+                <p:oleObj spid="_x0000_s9224" name="think-cell Slide" r:id="rId5" imgW="270" imgH="270" progId="TCLayout.ActiveDocument.1">
                   <p:embed/>
                 </p:oleObj>
               </mc:Choice>
@@ -5577,7 +5684,7 @@
           <a:graphicData uri="http://schemas.openxmlformats.org/presentationml/2006/ole">
             <mc:AlternateContent xmlns:mc="http://schemas.openxmlformats.org/markup-compatibility/2006">
               <mc:Choice xmlns:v="urn:schemas-microsoft-com:vml" Requires="v">
-                <p:oleObj spid="_x0000_s7225" name="think-cell Slide" r:id="rId7" imgW="270" imgH="270" progId="TCLayout.ActiveDocument.1">
+                <p:oleObj spid="_x0000_s7228" name="think-cell Slide" r:id="rId7" imgW="270" imgH="270" progId="TCLayout.ActiveDocument.1">
                   <p:embed/>
                 </p:oleObj>
               </mc:Choice>
@@ -6349,41 +6456,6 @@
           </a:p>
         </p:txBody>
       </p:sp>
-      <p:sp>
-        <p:nvSpPr>
-          <p:cNvPr id="6" name="Textfeld 5"/>
-          <p:cNvSpPr txBox="1"/>
-          <p:nvPr userDrawn="1"/>
-        </p:nvSpPr>
-        <p:spPr bwMode="gray">
-          <a:xfrm>
-            <a:off x="6804248" y="153026"/>
-            <a:ext cx="2232348" cy="792088"/>
-          </a:xfrm>
-          <a:prstGeom prst="rect">
-            <a:avLst/>
-          </a:prstGeom>
-          <a:solidFill>
-            <a:srgbClr val="78A0AA"/>
-          </a:solidFill>
-        </p:spPr>
-        <p:txBody>
-          <a:bodyPr wrap="square" lIns="0" tIns="0" rIns="0" bIns="0" rtlCol="0">
-            <a:spAutoFit/>
-          </a:bodyPr>
-          <a:lstStyle/>
-          <a:p>
-            <a:pPr marL="180975" indent="-180975">
-              <a:buClr>
-                <a:schemeClr val="accent3"/>
-              </a:buClr>
-              <a:buFont typeface="Wingdings" pitchFamily="2" charset="2"/>
-              <a:buChar char="§"/>
-            </a:pPr>
-            <a:endParaRPr lang="de-DE" sz="1400" dirty="0" err="1"/>
-          </a:p>
-        </p:txBody>
-      </p:sp>
     </p:spTree>
     <p:extLst>
       <p:ext uri="{BB962C8B-B14F-4D97-AF65-F5344CB8AC3E}">
@@ -6857,7 +6929,7 @@
           <a:graphicData uri="http://schemas.openxmlformats.org/presentationml/2006/ole">
             <mc:AlternateContent xmlns:mc="http://schemas.openxmlformats.org/markup-compatibility/2006">
               <mc:Choice xmlns:v="urn:schemas-microsoft-com:vml" Requires="v">
-                <p:oleObj spid="_x0000_s4314" name="think-cell Slide" r:id="rId7" imgW="270" imgH="270" progId="TCLayout.ActiveDocument.1">
+                <p:oleObj spid="_x0000_s4317" name="think-cell Slide" r:id="rId7" imgW="270" imgH="270" progId="TCLayout.ActiveDocument.1">
                   <p:embed/>
                 </p:oleObj>
               </mc:Choice>
@@ -11501,7 +11573,7 @@
           <a:graphicData uri="http://schemas.openxmlformats.org/presentationml/2006/ole">
             <mc:AlternateContent xmlns:mc="http://schemas.openxmlformats.org/markup-compatibility/2006">
               <mc:Choice xmlns:v="urn:schemas-microsoft-com:vml" Requires="v">
-                <p:oleObj spid="_x0000_s8249" name="think-cell Slide" r:id="rId6" imgW="270" imgH="270" progId="TCLayout.ActiveDocument.1">
+                <p:oleObj spid="_x0000_s8252" name="think-cell Slide" r:id="rId6" imgW="270" imgH="270" progId="TCLayout.ActiveDocument.1">
                   <p:embed/>
                 </p:oleObj>
               </mc:Choice>
@@ -15024,7 +15096,7 @@
           <a:graphicData uri="http://schemas.openxmlformats.org/presentationml/2006/ole">
             <mc:AlternateContent xmlns:mc="http://schemas.openxmlformats.org/markup-compatibility/2006">
               <mc:Choice xmlns:v="urn:schemas-microsoft-com:vml" Requires="v">
-                <p:oleObj spid="_x0000_s1260" name="think-cell Slide" r:id="rId24" imgW="270" imgH="270" progId="TCLayout.ActiveDocument.1">
+                <p:oleObj spid="_x0000_s1263" name="think-cell Slide" r:id="rId24" imgW="270" imgH="270" progId="TCLayout.ActiveDocument.1">
                   <p:embed/>
                 </p:oleObj>
               </mc:Choice>
@@ -15995,7 +16067,7 @@
           <a:graphicData uri="http://schemas.openxmlformats.org/presentationml/2006/ole">
             <mc:AlternateContent xmlns:mc="http://schemas.openxmlformats.org/markup-compatibility/2006">
               <mc:Choice xmlns:v="urn:schemas-microsoft-com:vml" Requires="v">
-                <p:oleObj spid="_x0000_s5178" name="think-cell Slide" r:id="rId25" imgW="270" imgH="270" progId="TCLayout.ActiveDocument.1">
+                <p:oleObj spid="_x0000_s5181" name="think-cell Slide" r:id="rId25" imgW="270" imgH="270" progId="TCLayout.ActiveDocument.1">
                   <p:embed/>
                 </p:oleObj>
               </mc:Choice>
@@ -16853,6 +16925,10 @@
           <a:lstStyle/>
           <a:p>
             <a:r>
+              <a:rPr lang="en-US" dirty="0"/>
+              <a:t>How to create a </a:t>
+            </a:r>
+            <a:r>
               <a:rPr lang="en-US" dirty="0" err="1"/>
               <a:t>Blockchain</a:t>
             </a:r>
@@ -16890,7 +16966,7 @@
                   <a:schemeClr val="bg1"/>
                 </a:solidFill>
               </a:rPr>
-              <a:t>Munich, 11.11.2016</a:t>
+              <a:t>Munich, 13.11.2016</a:t>
             </a:r>
           </a:p>
         </p:txBody>
@@ -16912,11 +16988,81 @@
           <a:p>
             <a:r>
               <a:rPr lang="en-US" dirty="0"/>
-              <a:t>Team Slack</a:t>
-            </a:r>
-          </a:p>
-        </p:txBody>
-      </p:sp>
+              <a:t>Team </a:t>
+            </a:r>
+            <a:r>
+              <a:rPr lang="en-US" dirty="0" err="1"/>
+              <a:t>Fancypants</a:t>
+            </a:r>
+            <a:endParaRPr lang="en-US" dirty="0"/>
+          </a:p>
+        </p:txBody>
+      </p:sp>
+      <mc:AlternateContent xmlns:mc="http://schemas.openxmlformats.org/markup-compatibility/2006">
+        <mc:Choice xmlns:p14="http://schemas.microsoft.com/office/powerpoint/2010/main" Requires="p14">
+          <p:contentPart p14:bwMode="auto" r:id="rId3">
+            <p14:nvContentPartPr>
+              <p14:cNvPr id="3" name="Freihand 2"/>
+              <p14:cNvContentPartPr/>
+              <p14:nvPr/>
+            </p14:nvContentPartPr>
+            <p14:xfrm>
+              <a:off x="3172990" y="4996952"/>
+              <a:ext cx="0" cy="360"/>
+            </p14:xfrm>
+          </p:contentPart>
+        </mc:Choice>
+        <mc:Fallback>
+          <p:pic>
+            <p:nvPicPr>
+              <p:cNvPr id="3" name="Freihand 2"/>
+              <p:cNvPicPr/>
+              <p:nvPr/>
+            </p:nvPicPr>
+            <p:blipFill/>
+            <p:spPr/>
+          </p:pic>
+        </mc:Fallback>
+      </mc:AlternateContent>
+      <mc:AlternateContent xmlns:mc="http://schemas.openxmlformats.org/markup-compatibility/2006">
+        <mc:Choice xmlns:p14="http://schemas.microsoft.com/office/powerpoint/2010/main" Requires="p14">
+          <p:contentPart p14:bwMode="auto" r:id="rId4">
+            <p14:nvContentPartPr>
+              <p14:cNvPr id="7" name="Freihand 6"/>
+              <p14:cNvContentPartPr/>
+              <p14:nvPr/>
+            </p14:nvContentPartPr>
+            <p14:xfrm>
+              <a:off x="1618150" y="4473512"/>
+              <a:ext cx="360" cy="360"/>
+            </p14:xfrm>
+          </p:contentPart>
+        </mc:Choice>
+        <mc:Fallback>
+          <p:pic>
+            <p:nvPicPr>
+              <p:cNvPr id="7" name="Freihand 6"/>
+              <p:cNvPicPr/>
+              <p:nvPr/>
+            </p:nvPicPr>
+            <p:blipFill>
+              <a:blip r:embed="rId5"/>
+              <a:stretch>
+                <a:fillRect/>
+              </a:stretch>
+            </p:blipFill>
+            <p:spPr>
+              <a:xfrm>
+                <a:off x="1609870" y="4465232"/>
+                <a:ext cx="16920" cy="16920"/>
+              </a:xfrm>
+              <a:prstGeom prst="rect">
+                <a:avLst/>
+              </a:prstGeom>
+            </p:spPr>
+          </p:pic>
+        </mc:Fallback>
+      </mc:AlternateContent>
     </p:spTree>
     <p:extLst>
       <p:ext uri="{BB962C8B-B14F-4D97-AF65-F5344CB8AC3E}">
@@ -16952,56 +17098,6 @@
       </p:grpSpPr>
       <p:sp>
         <p:nvSpPr>
-          <p:cNvPr id="11" name="Pfeil nach rechts 10"/>
-          <p:cNvSpPr/>
-          <p:nvPr/>
-        </p:nvSpPr>
-        <p:spPr bwMode="gray">
-          <a:xfrm>
-            <a:off x="3563888" y="3068960"/>
-            <a:ext cx="2016224" cy="720080"/>
-          </a:xfrm>
-          <a:prstGeom prst="rightArrow">
-            <a:avLst/>
-          </a:prstGeom>
-          <a:solidFill>
-            <a:schemeClr val="bg1"/>
-          </a:solidFill>
-          <a:ln w="9525">
-            <a:noFill/>
-          </a:ln>
-        </p:spPr>
-        <p:style>
-          <a:lnRef idx="2">
-            <a:schemeClr val="accent1">
-              <a:shade val="50000"/>
-            </a:schemeClr>
-          </a:lnRef>
-          <a:fillRef idx="1">
-            <a:schemeClr val="accent1"/>
-          </a:fillRef>
-          <a:effectRef idx="0">
-            <a:schemeClr val="accent1"/>
-          </a:effectRef>
-          <a:fontRef idx="minor">
-            <a:schemeClr val="lt1"/>
-          </a:fontRef>
-        </p:style>
-        <p:txBody>
-          <a:bodyPr rtlCol="0" anchor="ctr"/>
-          <a:lstStyle/>
-          <a:p>
-            <a:pPr algn="ctr"/>
-            <a:endParaRPr lang="en-US" sz="1400" dirty="0" err="1">
-              <a:solidFill>
-                <a:schemeClr val="tx1"/>
-              </a:solidFill>
-            </a:endParaRPr>
-          </a:p>
-        </p:txBody>
-      </p:sp>
-      <p:sp>
-        <p:nvSpPr>
           <p:cNvPr id="2" name="Datumsplatzhalter 1"/>
           <p:cNvSpPr>
             <a:spLocks noGrp="1"/>
@@ -17066,359 +17162,6 @@
               </a:rPr>
               <a:pPr/>
               <a:t>2</a:t>
-            </a:fld>
-            <a:endParaRPr lang="en-US" dirty="0">
-              <a:solidFill>
-                <a:srgbClr val="5F5F5F"/>
-              </a:solidFill>
-            </a:endParaRPr>
-          </a:p>
-        </p:txBody>
-      </p:sp>
-      <p:sp>
-        <p:nvSpPr>
-          <p:cNvPr id="4" name="Titel 3"/>
-          <p:cNvSpPr>
-            <a:spLocks noGrp="1"/>
-          </p:cNvSpPr>
-          <p:nvPr>
-            <p:ph type="title"/>
-          </p:nvPr>
-        </p:nvSpPr>
-        <p:spPr>
-          <a:xfrm>
-            <a:off x="684213" y="908650"/>
-            <a:ext cx="8208387" cy="504225"/>
-          </a:xfrm>
-        </p:spPr>
-        <p:txBody>
-          <a:bodyPr/>
-          <a:lstStyle/>
-          <a:p>
-            <a:r>
-              <a:rPr lang="en-US" sz="2000" dirty="0">
-                <a:solidFill>
-                  <a:schemeClr val="bg1"/>
-                </a:solidFill>
-              </a:rPr>
-              <a:t>Smart Contracts</a:t>
-            </a:r>
-          </a:p>
-        </p:txBody>
-      </p:sp>
-      <p:sp>
-        <p:nvSpPr>
-          <p:cNvPr id="7" name="Datumsplatzhalter 1"/>
-          <p:cNvSpPr txBox="1">
-            <a:spLocks/>
-          </p:cNvSpPr>
-          <p:nvPr/>
-        </p:nvSpPr>
-        <p:spPr bwMode="gray">
-          <a:xfrm>
-            <a:off x="1748410" y="6525430"/>
-            <a:ext cx="735300" cy="333613"/>
-          </a:xfrm>
-          <a:prstGeom prst="rect">
-            <a:avLst/>
-          </a:prstGeom>
-          <a:noFill/>
-        </p:spPr>
-        <p:txBody>
-          <a:bodyPr vert="horz" lIns="0" tIns="0" rIns="0" bIns="126000" rtlCol="0" anchor="b" anchorCtr="0"/>
-          <a:lstStyle>
-            <a:defPPr>
-              <a:defRPr lang="de-DE"/>
-            </a:defPPr>
-            <a:lvl1pPr marL="0" algn="l" defTabSz="914400" rtl="0" eaLnBrk="1" latinLnBrk="0" hangingPunct="1">
-              <a:defRPr sz="800" kern="1200">
-                <a:solidFill>
-                  <a:schemeClr val="bg2"/>
-                </a:solidFill>
-                <a:latin typeface="+mn-lt"/>
-                <a:ea typeface="+mn-ea"/>
-                <a:cs typeface="+mn-cs"/>
-              </a:defRPr>
-            </a:lvl1pPr>
-            <a:lvl2pPr marL="457200" algn="l" defTabSz="914400" rtl="0" eaLnBrk="1" latinLnBrk="0" hangingPunct="1">
-              <a:defRPr sz="1800" kern="1200">
-                <a:solidFill>
-                  <a:schemeClr val="tx1"/>
-                </a:solidFill>
-                <a:latin typeface="+mn-lt"/>
-                <a:ea typeface="+mn-ea"/>
-                <a:cs typeface="+mn-cs"/>
-              </a:defRPr>
-            </a:lvl2pPr>
-            <a:lvl3pPr marL="914400" algn="l" defTabSz="914400" rtl="0" eaLnBrk="1" latinLnBrk="0" hangingPunct="1">
-              <a:defRPr sz="1800" kern="1200">
-                <a:solidFill>
-                  <a:schemeClr val="tx1"/>
-                </a:solidFill>
-                <a:latin typeface="+mn-lt"/>
-                <a:ea typeface="+mn-ea"/>
-                <a:cs typeface="+mn-cs"/>
-              </a:defRPr>
-            </a:lvl3pPr>
-            <a:lvl4pPr marL="1371600" algn="l" defTabSz="914400" rtl="0" eaLnBrk="1" latinLnBrk="0" hangingPunct="1">
-              <a:defRPr sz="1800" kern="1200">
-                <a:solidFill>
-                  <a:schemeClr val="tx1"/>
-                </a:solidFill>
-                <a:latin typeface="+mn-lt"/>
-                <a:ea typeface="+mn-ea"/>
-                <a:cs typeface="+mn-cs"/>
-              </a:defRPr>
-            </a:lvl4pPr>
-            <a:lvl5pPr marL="1828800" algn="l" defTabSz="914400" rtl="0" eaLnBrk="1" latinLnBrk="0" hangingPunct="1">
-              <a:defRPr sz="1800" kern="1200">
-                <a:solidFill>
-                  <a:schemeClr val="tx1"/>
-                </a:solidFill>
-                <a:latin typeface="+mn-lt"/>
-                <a:ea typeface="+mn-ea"/>
-                <a:cs typeface="+mn-cs"/>
-              </a:defRPr>
-            </a:lvl5pPr>
-            <a:lvl6pPr marL="2286000" algn="l" defTabSz="914400" rtl="0" eaLnBrk="1" latinLnBrk="0" hangingPunct="1">
-              <a:defRPr sz="1800" kern="1200">
-                <a:solidFill>
-                  <a:schemeClr val="tx1"/>
-                </a:solidFill>
-                <a:latin typeface="+mn-lt"/>
-                <a:ea typeface="+mn-ea"/>
-                <a:cs typeface="+mn-cs"/>
-              </a:defRPr>
-            </a:lvl6pPr>
-            <a:lvl7pPr marL="2743200" algn="l" defTabSz="914400" rtl="0" eaLnBrk="1" latinLnBrk="0" hangingPunct="1">
-              <a:defRPr sz="1800" kern="1200">
-                <a:solidFill>
-                  <a:schemeClr val="tx1"/>
-                </a:solidFill>
-                <a:latin typeface="+mn-lt"/>
-                <a:ea typeface="+mn-ea"/>
-                <a:cs typeface="+mn-cs"/>
-              </a:defRPr>
-            </a:lvl7pPr>
-            <a:lvl8pPr marL="3200400" algn="l" defTabSz="914400" rtl="0" eaLnBrk="1" latinLnBrk="0" hangingPunct="1">
-              <a:defRPr sz="1800" kern="1200">
-                <a:solidFill>
-                  <a:schemeClr val="tx1"/>
-                </a:solidFill>
-                <a:latin typeface="+mn-lt"/>
-                <a:ea typeface="+mn-ea"/>
-                <a:cs typeface="+mn-cs"/>
-              </a:defRPr>
-            </a:lvl8pPr>
-            <a:lvl9pPr marL="3657600" algn="l" defTabSz="914400" rtl="0" eaLnBrk="1" latinLnBrk="0" hangingPunct="1">
-              <a:defRPr sz="1800" kern="1200">
-                <a:solidFill>
-                  <a:schemeClr val="tx1"/>
-                </a:solidFill>
-                <a:latin typeface="+mn-lt"/>
-                <a:ea typeface="+mn-ea"/>
-                <a:cs typeface="+mn-cs"/>
-              </a:defRPr>
-            </a:lvl9pPr>
-          </a:lstStyle>
-          <a:p>
-            <a:fld id="{7299ED31-B6BD-4CFC-8C77-58961B6150E5}" type="datetime1">
-              <a:rPr lang="en-US" smtClean="0"/>
-              <a:pPr/>
-              <a:t>11/13/2016</a:t>
-            </a:fld>
-            <a:endParaRPr lang="en-US" dirty="0"/>
-          </a:p>
-        </p:txBody>
-      </p:sp>
-      <p:pic>
-        <p:nvPicPr>
-          <p:cNvPr id="77" name="Grafik 76"/>
-          <p:cNvPicPr>
-            <a:picLocks noChangeAspect="1"/>
-          </p:cNvPicPr>
-          <p:nvPr/>
-        </p:nvPicPr>
-        <p:blipFill>
-          <a:blip r:embed="rId3"/>
-          <a:stretch>
-            <a:fillRect/>
-          </a:stretch>
-        </p:blipFill>
-        <p:spPr>
-          <a:xfrm>
-            <a:off x="5724128" y="2235614"/>
-            <a:ext cx="1796478" cy="2160000"/>
-          </a:xfrm>
-          <a:prstGeom prst="rect">
-            <a:avLst/>
-          </a:prstGeom>
-        </p:spPr>
-      </p:pic>
-      <p:pic>
-        <p:nvPicPr>
-          <p:cNvPr id="118" name="Grafik 117"/>
-          <p:cNvPicPr>
-            <a:picLocks noChangeAspect="1"/>
-          </p:cNvPicPr>
-          <p:nvPr/>
-        </p:nvPicPr>
-        <p:blipFill>
-          <a:blip r:embed="rId4"/>
-          <a:stretch>
-            <a:fillRect/>
-          </a:stretch>
-        </p:blipFill>
-        <p:spPr>
-          <a:xfrm>
-            <a:off x="1580165" y="2220239"/>
-            <a:ext cx="1807089" cy="2160000"/>
-          </a:xfrm>
-          <a:prstGeom prst="rect">
-            <a:avLst/>
-          </a:prstGeom>
-        </p:spPr>
-      </p:pic>
-      <p:pic>
-        <p:nvPicPr>
-          <p:cNvPr id="10" name="Picture 2" descr="Image result for ethereum logo white png"/>
-          <p:cNvPicPr>
-            <a:picLocks noChangeAspect="1" noChangeArrowheads="1"/>
-          </p:cNvPicPr>
-          <p:nvPr/>
-        </p:nvPicPr>
-        <p:blipFill>
-          <a:blip r:embed="rId5">
-            <a:extLst>
-              <a:ext uri="{28A0092B-C50C-407E-A947-70E740481C1C}">
-                <a14:useLocalDpi xmlns:a14="http://schemas.microsoft.com/office/drawing/2010/main" val="0"/>
-              </a:ext>
-            </a:extLst>
-          </a:blip>
-          <a:srcRect/>
-          <a:stretch>
-            <a:fillRect/>
-          </a:stretch>
-        </p:blipFill>
-        <p:spPr bwMode="auto">
-          <a:xfrm>
-            <a:off x="3461370" y="2204864"/>
-            <a:ext cx="2190750" cy="2190750"/>
-          </a:xfrm>
-          <a:prstGeom prst="rect">
-            <a:avLst/>
-          </a:prstGeom>
-          <a:noFill/>
-          <a:extLst>
-            <a:ext uri="{909E8E84-426E-40DD-AFC4-6F175D3DCCD1}">
-              <a14:hiddenFill xmlns:a14="http://schemas.microsoft.com/office/drawing/2010/main">
-                <a:solidFill>
-                  <a:srgbClr val="FFFFFF"/>
-                </a:solidFill>
-              </a14:hiddenFill>
-            </a:ext>
-          </a:extLst>
-        </p:spPr>
-      </p:pic>
-    </p:spTree>
-    <p:extLst>
-      <p:ext uri="{BB962C8B-B14F-4D97-AF65-F5344CB8AC3E}">
-        <p14:creationId xmlns:p14="http://schemas.microsoft.com/office/powerpoint/2010/main" val="1734986679"/>
-      </p:ext>
-    </p:extLst>
-  </p:cSld>
-  <p:clrMapOvr>
-    <a:masterClrMapping/>
-  </p:clrMapOvr>
-  <p:transition>
-    <p:fade/>
-  </p:transition>
-</p:sld>
-</file>
-
-<file path=ppt/slides/slide3.xml><?xml version="1.0" encoding="utf-8"?>
-<p:sld xmlns:a="http://schemas.openxmlformats.org/drawingml/2006/main" xmlns:r="http://schemas.openxmlformats.org/officeDocument/2006/relationships" xmlns:p="http://schemas.openxmlformats.org/presentationml/2006/main">
-  <p:cSld>
-    <p:spTree>
-      <p:nvGrpSpPr>
-        <p:cNvPr id="1" name=""/>
-        <p:cNvGrpSpPr/>
-        <p:nvPr/>
-      </p:nvGrpSpPr>
-      <p:grpSpPr>
-        <a:xfrm>
-          <a:off x="0" y="0"/>
-          <a:ext cx="0" cy="0"/>
-          <a:chOff x="0" y="0"/>
-          <a:chExt cx="0" cy="0"/>
-        </a:xfrm>
-      </p:grpSpPr>
-      <p:sp>
-        <p:nvSpPr>
-          <p:cNvPr id="2" name="Datumsplatzhalter 1"/>
-          <p:cNvSpPr>
-            <a:spLocks noGrp="1"/>
-          </p:cNvSpPr>
-          <p:nvPr>
-            <p:ph type="dt" sz="half" idx="18"/>
-          </p:nvPr>
-        </p:nvSpPr>
-        <p:spPr>
-          <a:xfrm>
-            <a:off x="1748410" y="6525430"/>
-            <a:ext cx="735300" cy="333613"/>
-          </a:xfrm>
-          <a:noFill/>
-        </p:spPr>
-        <p:txBody>
-          <a:bodyPr/>
-          <a:lstStyle/>
-          <a:p>
-            <a:fld id="{7299ED31-B6BD-4CFC-8C77-58961B6150E5}" type="datetime1">
-              <a:rPr lang="en-US" smtClean="0">
-                <a:solidFill>
-                  <a:srgbClr val="5F5F5F"/>
-                </a:solidFill>
-              </a:rPr>
-              <a:pPr/>
-              <a:t>11/13/2016</a:t>
-            </a:fld>
-            <a:endParaRPr lang="en-US" dirty="0">
-              <a:solidFill>
-                <a:srgbClr val="5F5F5F"/>
-              </a:solidFill>
-            </a:endParaRPr>
-          </a:p>
-        </p:txBody>
-      </p:sp>
-      <p:sp>
-        <p:nvSpPr>
-          <p:cNvPr id="3" name="Foliennummernplatzhalter 2"/>
-          <p:cNvSpPr>
-            <a:spLocks noGrp="1"/>
-          </p:cNvSpPr>
-          <p:nvPr>
-            <p:ph type="sldNum" sz="quarter" idx="20"/>
-          </p:nvPr>
-        </p:nvSpPr>
-        <p:spPr>
-          <a:xfrm>
-            <a:off x="8244510" y="6525430"/>
-            <a:ext cx="648664" cy="331526"/>
-          </a:xfrm>
-        </p:spPr>
-        <p:txBody>
-          <a:bodyPr/>
-          <a:lstStyle/>
-          <a:p>
-            <a:fld id="{ACC26C6A-0CF6-4B2A-95E7-F1C069A12223}" type="slidenum">
-              <a:rPr lang="en-US" smtClean="0">
-                <a:solidFill>
-                  <a:srgbClr val="5F5F5F"/>
-                </a:solidFill>
-              </a:rPr>
-              <a:pPr/>
-              <a:t>3</a:t>
             </a:fld>
             <a:endParaRPr lang="en-US" dirty="0">
               <a:solidFill>
@@ -18078,6 +17821,345 @@
 </p:sld>
 </file>
 
+<file path=ppt/slides/slide3.xml><?xml version="1.0" encoding="utf-8"?>
+<p:sld xmlns:a="http://schemas.openxmlformats.org/drawingml/2006/main" xmlns:r="http://schemas.openxmlformats.org/officeDocument/2006/relationships" xmlns:p="http://schemas.openxmlformats.org/presentationml/2006/main">
+  <p:cSld>
+    <p:spTree>
+      <p:nvGrpSpPr>
+        <p:cNvPr id="1" name=""/>
+        <p:cNvGrpSpPr/>
+        <p:nvPr/>
+      </p:nvGrpSpPr>
+      <p:grpSpPr>
+        <a:xfrm>
+          <a:off x="0" y="0"/>
+          <a:ext cx="0" cy="0"/>
+          <a:chOff x="0" y="0"/>
+          <a:chExt cx="0" cy="0"/>
+        </a:xfrm>
+      </p:grpSpPr>
+      <p:sp>
+        <p:nvSpPr>
+          <p:cNvPr id="2" name="Titel 1"/>
+          <p:cNvSpPr>
+            <a:spLocks noGrp="1"/>
+          </p:cNvSpPr>
+          <p:nvPr>
+            <p:ph type="title"/>
+          </p:nvPr>
+        </p:nvSpPr>
+        <p:spPr/>
+        <p:txBody>
+          <a:bodyPr/>
+          <a:lstStyle/>
+          <a:p>
+            <a:r>
+              <a:rPr lang="de-DE" sz="2800" dirty="0" err="1">
+                <a:solidFill>
+                  <a:schemeClr val="bg1"/>
+                </a:solidFill>
+              </a:rPr>
+              <a:t>Why</a:t>
+            </a:r>
+            <a:r>
+              <a:rPr lang="de-DE" sz="2800" dirty="0">
+                <a:solidFill>
+                  <a:schemeClr val="bg1"/>
+                </a:solidFill>
+              </a:rPr>
+              <a:t> </a:t>
+            </a:r>
+            <a:r>
+              <a:rPr lang="de-DE" sz="2800" dirty="0" err="1">
+                <a:solidFill>
+                  <a:schemeClr val="bg1"/>
+                </a:solidFill>
+              </a:rPr>
+              <a:t>using</a:t>
+            </a:r>
+            <a:r>
+              <a:rPr lang="de-DE" sz="2800" dirty="0">
+                <a:solidFill>
+                  <a:schemeClr val="bg1"/>
+                </a:solidFill>
+              </a:rPr>
+              <a:t> </a:t>
+            </a:r>
+            <a:r>
+              <a:rPr lang="de-DE" sz="2800" dirty="0" err="1">
+                <a:solidFill>
+                  <a:schemeClr val="bg1"/>
+                </a:solidFill>
+              </a:rPr>
+              <a:t>Blockchain</a:t>
+            </a:r>
+            <a:r>
+              <a:rPr lang="de-DE" sz="2800" dirty="0">
+                <a:solidFill>
+                  <a:schemeClr val="bg1"/>
+                </a:solidFill>
+              </a:rPr>
+              <a:t>?</a:t>
+            </a:r>
+          </a:p>
+        </p:txBody>
+      </p:sp>
+      <p:sp>
+        <p:nvSpPr>
+          <p:cNvPr id="3" name="Textplatzhalter 2"/>
+          <p:cNvSpPr>
+            <a:spLocks noGrp="1"/>
+          </p:cNvSpPr>
+          <p:nvPr>
+            <p:ph type="body" sz="quarter" idx="16"/>
+          </p:nvPr>
+        </p:nvSpPr>
+        <p:spPr>
+          <a:xfrm>
+            <a:off x="107504" y="1628800"/>
+            <a:ext cx="8642350" cy="4537099"/>
+          </a:xfrm>
+        </p:spPr>
+        <p:txBody>
+          <a:bodyPr/>
+          <a:lstStyle/>
+          <a:p>
+            <a:pPr marL="285750" indent="-285750">
+              <a:buFont typeface="Arial" panose="020B0604020202020204" pitchFamily="34" charset="0"/>
+              <a:buChar char="•"/>
+            </a:pPr>
+            <a:r>
+              <a:rPr lang="de-DE" sz="2400" dirty="0" err="1">
+                <a:solidFill>
+                  <a:schemeClr val="bg1"/>
+                </a:solidFill>
+              </a:rPr>
+              <a:t>Decentralized</a:t>
+            </a:r>
+            <a:endParaRPr lang="de-DE" sz="2400" dirty="0">
+              <a:solidFill>
+                <a:schemeClr val="bg1"/>
+              </a:solidFill>
+            </a:endParaRPr>
+          </a:p>
+          <a:p>
+            <a:pPr marL="285750" indent="-285750">
+              <a:buFont typeface="Arial" panose="020B0604020202020204" pitchFamily="34" charset="0"/>
+              <a:buChar char="•"/>
+            </a:pPr>
+            <a:r>
+              <a:rPr lang="de-DE" sz="2400" dirty="0">
+                <a:solidFill>
+                  <a:schemeClr val="bg1"/>
+                </a:solidFill>
+              </a:rPr>
+              <a:t>Democratic </a:t>
+            </a:r>
+            <a:r>
+              <a:rPr lang="de-DE" sz="2400" dirty="0" err="1">
+                <a:solidFill>
+                  <a:schemeClr val="bg1"/>
+                </a:solidFill>
+              </a:rPr>
+              <a:t>network</a:t>
+            </a:r>
+            <a:endParaRPr lang="de-DE" sz="2400" dirty="0">
+              <a:solidFill>
+                <a:schemeClr val="bg1"/>
+              </a:solidFill>
+            </a:endParaRPr>
+          </a:p>
+          <a:p>
+            <a:pPr marL="285750" indent="-285750">
+              <a:buFont typeface="Arial" panose="020B0604020202020204" pitchFamily="34" charset="0"/>
+              <a:buChar char="•"/>
+            </a:pPr>
+            <a:r>
+              <a:rPr lang="de-DE" sz="2400" dirty="0" err="1">
+                <a:solidFill>
+                  <a:schemeClr val="bg1"/>
+                </a:solidFill>
+              </a:rPr>
+              <a:t>No</a:t>
+            </a:r>
+            <a:r>
+              <a:rPr lang="de-DE" sz="2400" dirty="0">
+                <a:solidFill>
+                  <a:schemeClr val="bg1"/>
+                </a:solidFill>
+              </a:rPr>
+              <a:t> </a:t>
+            </a:r>
+            <a:r>
+              <a:rPr lang="de-DE" sz="2400" dirty="0" err="1">
+                <a:solidFill>
+                  <a:schemeClr val="bg1"/>
+                </a:solidFill>
+              </a:rPr>
+              <a:t>trusted</a:t>
+            </a:r>
+            <a:r>
+              <a:rPr lang="de-DE" sz="2400" dirty="0">
+                <a:solidFill>
+                  <a:schemeClr val="bg1"/>
+                </a:solidFill>
+              </a:rPr>
+              <a:t> </a:t>
+            </a:r>
+            <a:r>
+              <a:rPr lang="de-DE" sz="2400" dirty="0" err="1">
+                <a:solidFill>
+                  <a:schemeClr val="bg1"/>
+                </a:solidFill>
+              </a:rPr>
+              <a:t>third</a:t>
+            </a:r>
+            <a:r>
+              <a:rPr lang="de-DE" sz="2400" dirty="0">
+                <a:solidFill>
+                  <a:schemeClr val="bg1"/>
+                </a:solidFill>
+              </a:rPr>
+              <a:t> </a:t>
+            </a:r>
+            <a:r>
+              <a:rPr lang="de-DE" sz="2400" dirty="0" err="1">
+                <a:solidFill>
+                  <a:schemeClr val="bg1"/>
+                </a:solidFill>
+              </a:rPr>
+              <a:t>party</a:t>
+            </a:r>
+            <a:r>
+              <a:rPr lang="de-DE" sz="2400" dirty="0">
+                <a:solidFill>
+                  <a:schemeClr val="bg1"/>
+                </a:solidFill>
+              </a:rPr>
+              <a:t> </a:t>
+            </a:r>
+            <a:r>
+              <a:rPr lang="de-DE" sz="2400" dirty="0" err="1">
+                <a:solidFill>
+                  <a:schemeClr val="bg1"/>
+                </a:solidFill>
+              </a:rPr>
+              <a:t>needed</a:t>
+            </a:r>
+            <a:endParaRPr lang="de-DE" sz="2400" dirty="0">
+              <a:solidFill>
+                <a:schemeClr val="bg1"/>
+              </a:solidFill>
+            </a:endParaRPr>
+          </a:p>
+          <a:p>
+            <a:endParaRPr lang="de-DE" sz="1050" dirty="0">
+              <a:solidFill>
+                <a:schemeClr val="bg1"/>
+              </a:solidFill>
+            </a:endParaRPr>
+          </a:p>
+        </p:txBody>
+      </p:sp>
+      <p:sp>
+        <p:nvSpPr>
+          <p:cNvPr id="4" name="Textplatzhalter 3"/>
+          <p:cNvSpPr>
+            <a:spLocks noGrp="1"/>
+          </p:cNvSpPr>
+          <p:nvPr>
+            <p:ph type="body" sz="quarter" idx="17"/>
+          </p:nvPr>
+        </p:nvSpPr>
+        <p:spPr/>
+        <p:txBody>
+          <a:bodyPr/>
+          <a:lstStyle/>
+          <a:p>
+            <a:endParaRPr lang="de-DE" dirty="0"/>
+          </a:p>
+        </p:txBody>
+      </p:sp>
+      <p:sp>
+        <p:nvSpPr>
+          <p:cNvPr id="5" name="Datumsplatzhalter 4"/>
+          <p:cNvSpPr>
+            <a:spLocks noGrp="1"/>
+          </p:cNvSpPr>
+          <p:nvPr>
+            <p:ph type="dt" sz="half" idx="18"/>
+          </p:nvPr>
+        </p:nvSpPr>
+        <p:spPr/>
+        <p:txBody>
+          <a:bodyPr/>
+          <a:lstStyle/>
+          <a:p>
+            <a:fld id="{207F274F-E4AE-45D1-8462-735FF203E3CB}" type="datetime1">
+              <a:rPr lang="de-DE" smtClean="0">
+                <a:solidFill>
+                  <a:srgbClr val="5F5F5F"/>
+                </a:solidFill>
+              </a:rPr>
+              <a:pPr/>
+              <a:t>13.11.2016</a:t>
+            </a:fld>
+            <a:endParaRPr lang="de-DE" dirty="0">
+              <a:solidFill>
+                <a:srgbClr val="5F5F5F"/>
+              </a:solidFill>
+            </a:endParaRPr>
+          </a:p>
+        </p:txBody>
+      </p:sp>
+      <p:sp>
+        <p:nvSpPr>
+          <p:cNvPr id="6" name="Foliennummernplatzhalter 5"/>
+          <p:cNvSpPr>
+            <a:spLocks noGrp="1"/>
+          </p:cNvSpPr>
+          <p:nvPr>
+            <p:ph type="sldNum" sz="quarter" idx="20"/>
+          </p:nvPr>
+        </p:nvSpPr>
+        <p:spPr/>
+        <p:txBody>
+          <a:bodyPr/>
+          <a:lstStyle/>
+          <a:p>
+            <a:fld id="{ACC26C6A-0CF6-4B2A-95E7-F1C069A12223}" type="slidenum">
+              <a:rPr lang="de-DE" smtClean="0">
+                <a:solidFill>
+                  <a:srgbClr val="5F5F5F"/>
+                </a:solidFill>
+              </a:rPr>
+              <a:pPr/>
+              <a:t>3</a:t>
+            </a:fld>
+            <a:endParaRPr lang="de-DE">
+              <a:solidFill>
+                <a:srgbClr val="5F5F5F"/>
+              </a:solidFill>
+            </a:endParaRPr>
+          </a:p>
+        </p:txBody>
+      </p:sp>
+    </p:spTree>
+    <p:extLst>
+      <p:ext uri="{BB962C8B-B14F-4D97-AF65-F5344CB8AC3E}">
+        <p14:creationId xmlns:p14="http://schemas.microsoft.com/office/powerpoint/2010/main" val="3948536611"/>
+      </p:ext>
+    </p:extLst>
+  </p:cSld>
+  <p:clrMapOvr>
+    <a:masterClrMapping/>
+  </p:clrMapOvr>
+  <p:transition>
+    <p:fade/>
+  </p:transition>
+</p:sld>
+</file>
+
 <file path=ppt/slides/slide4.xml><?xml version="1.0" encoding="utf-8"?>
 <p:sld xmlns:a="http://schemas.openxmlformats.org/drawingml/2006/main" xmlns:r="http://schemas.openxmlformats.org/officeDocument/2006/relationships" xmlns:p="http://schemas.openxmlformats.org/presentationml/2006/main">
   <p:cSld>
@@ -18097,6 +18179,409 @@
       </p:grpSpPr>
       <p:sp>
         <p:nvSpPr>
+          <p:cNvPr id="11" name="Pfeil nach rechts 10"/>
+          <p:cNvSpPr/>
+          <p:nvPr/>
+        </p:nvSpPr>
+        <p:spPr bwMode="gray">
+          <a:xfrm>
+            <a:off x="3563888" y="3068960"/>
+            <a:ext cx="2016224" cy="720080"/>
+          </a:xfrm>
+          <a:prstGeom prst="rightArrow">
+            <a:avLst/>
+          </a:prstGeom>
+          <a:solidFill>
+            <a:schemeClr val="bg1"/>
+          </a:solidFill>
+          <a:ln w="9525">
+            <a:noFill/>
+          </a:ln>
+        </p:spPr>
+        <p:style>
+          <a:lnRef idx="2">
+            <a:schemeClr val="accent1">
+              <a:shade val="50000"/>
+            </a:schemeClr>
+          </a:lnRef>
+          <a:fillRef idx="1">
+            <a:schemeClr val="accent1"/>
+          </a:fillRef>
+          <a:effectRef idx="0">
+            <a:schemeClr val="accent1"/>
+          </a:effectRef>
+          <a:fontRef idx="minor">
+            <a:schemeClr val="lt1"/>
+          </a:fontRef>
+        </p:style>
+        <p:txBody>
+          <a:bodyPr rtlCol="0" anchor="ctr"/>
+          <a:lstStyle/>
+          <a:p>
+            <a:pPr algn="ctr"/>
+            <a:endParaRPr lang="en-US" sz="1400" dirty="0" err="1">
+              <a:solidFill>
+                <a:schemeClr val="tx1"/>
+              </a:solidFill>
+            </a:endParaRPr>
+          </a:p>
+        </p:txBody>
+      </p:sp>
+      <p:sp>
+        <p:nvSpPr>
+          <p:cNvPr id="2" name="Datumsplatzhalter 1"/>
+          <p:cNvSpPr>
+            <a:spLocks noGrp="1"/>
+          </p:cNvSpPr>
+          <p:nvPr>
+            <p:ph type="dt" sz="half" idx="18"/>
+          </p:nvPr>
+        </p:nvSpPr>
+        <p:spPr>
+          <a:xfrm>
+            <a:off x="1748410" y="6525430"/>
+            <a:ext cx="735300" cy="333613"/>
+          </a:xfrm>
+          <a:noFill/>
+        </p:spPr>
+        <p:txBody>
+          <a:bodyPr/>
+          <a:lstStyle/>
+          <a:p>
+            <a:fld id="{7299ED31-B6BD-4CFC-8C77-58961B6150E5}" type="datetime1">
+              <a:rPr lang="en-US" smtClean="0">
+                <a:solidFill>
+                  <a:srgbClr val="5F5F5F"/>
+                </a:solidFill>
+              </a:rPr>
+              <a:pPr/>
+              <a:t>11/13/2016</a:t>
+            </a:fld>
+            <a:endParaRPr lang="en-US" dirty="0">
+              <a:solidFill>
+                <a:srgbClr val="5F5F5F"/>
+              </a:solidFill>
+            </a:endParaRPr>
+          </a:p>
+        </p:txBody>
+      </p:sp>
+      <p:sp>
+        <p:nvSpPr>
+          <p:cNvPr id="3" name="Foliennummernplatzhalter 2"/>
+          <p:cNvSpPr>
+            <a:spLocks noGrp="1"/>
+          </p:cNvSpPr>
+          <p:nvPr>
+            <p:ph type="sldNum" sz="quarter" idx="20"/>
+          </p:nvPr>
+        </p:nvSpPr>
+        <p:spPr>
+          <a:xfrm>
+            <a:off x="8244510" y="6525430"/>
+            <a:ext cx="648664" cy="331526"/>
+          </a:xfrm>
+        </p:spPr>
+        <p:txBody>
+          <a:bodyPr/>
+          <a:lstStyle/>
+          <a:p>
+            <a:fld id="{ACC26C6A-0CF6-4B2A-95E7-F1C069A12223}" type="slidenum">
+              <a:rPr lang="en-US" smtClean="0">
+                <a:solidFill>
+                  <a:srgbClr val="5F5F5F"/>
+                </a:solidFill>
+              </a:rPr>
+              <a:pPr/>
+              <a:t>4</a:t>
+            </a:fld>
+            <a:endParaRPr lang="en-US" dirty="0">
+              <a:solidFill>
+                <a:srgbClr val="5F5F5F"/>
+              </a:solidFill>
+            </a:endParaRPr>
+          </a:p>
+        </p:txBody>
+      </p:sp>
+      <p:sp>
+        <p:nvSpPr>
+          <p:cNvPr id="4" name="Titel 3"/>
+          <p:cNvSpPr>
+            <a:spLocks noGrp="1"/>
+          </p:cNvSpPr>
+          <p:nvPr>
+            <p:ph type="title"/>
+          </p:nvPr>
+        </p:nvSpPr>
+        <p:spPr>
+          <a:xfrm>
+            <a:off x="684213" y="908650"/>
+            <a:ext cx="8208387" cy="504225"/>
+          </a:xfrm>
+        </p:spPr>
+        <p:txBody>
+          <a:bodyPr/>
+          <a:lstStyle/>
+          <a:p>
+            <a:r>
+              <a:rPr lang="en-US" sz="2000" dirty="0">
+                <a:solidFill>
+                  <a:schemeClr val="bg1"/>
+                </a:solidFill>
+              </a:rPr>
+              <a:t>Smart Contracts</a:t>
+            </a:r>
+          </a:p>
+        </p:txBody>
+      </p:sp>
+      <p:sp>
+        <p:nvSpPr>
+          <p:cNvPr id="7" name="Datumsplatzhalter 1"/>
+          <p:cNvSpPr txBox="1">
+            <a:spLocks/>
+          </p:cNvSpPr>
+          <p:nvPr/>
+        </p:nvSpPr>
+        <p:spPr bwMode="gray">
+          <a:xfrm>
+            <a:off x="1748410" y="6525430"/>
+            <a:ext cx="735300" cy="333613"/>
+          </a:xfrm>
+          <a:prstGeom prst="rect">
+            <a:avLst/>
+          </a:prstGeom>
+          <a:noFill/>
+        </p:spPr>
+        <p:txBody>
+          <a:bodyPr vert="horz" lIns="0" tIns="0" rIns="0" bIns="126000" rtlCol="0" anchor="b" anchorCtr="0"/>
+          <a:lstStyle>
+            <a:defPPr>
+              <a:defRPr lang="de-DE"/>
+            </a:defPPr>
+            <a:lvl1pPr marL="0" algn="l" defTabSz="914400" rtl="0" eaLnBrk="1" latinLnBrk="0" hangingPunct="1">
+              <a:defRPr sz="800" kern="1200">
+                <a:solidFill>
+                  <a:schemeClr val="bg2"/>
+                </a:solidFill>
+                <a:latin typeface="+mn-lt"/>
+                <a:ea typeface="+mn-ea"/>
+                <a:cs typeface="+mn-cs"/>
+              </a:defRPr>
+            </a:lvl1pPr>
+            <a:lvl2pPr marL="457200" algn="l" defTabSz="914400" rtl="0" eaLnBrk="1" latinLnBrk="0" hangingPunct="1">
+              <a:defRPr sz="1800" kern="1200">
+                <a:solidFill>
+                  <a:schemeClr val="tx1"/>
+                </a:solidFill>
+                <a:latin typeface="+mn-lt"/>
+                <a:ea typeface="+mn-ea"/>
+                <a:cs typeface="+mn-cs"/>
+              </a:defRPr>
+            </a:lvl2pPr>
+            <a:lvl3pPr marL="914400" algn="l" defTabSz="914400" rtl="0" eaLnBrk="1" latinLnBrk="0" hangingPunct="1">
+              <a:defRPr sz="1800" kern="1200">
+                <a:solidFill>
+                  <a:schemeClr val="tx1"/>
+                </a:solidFill>
+                <a:latin typeface="+mn-lt"/>
+                <a:ea typeface="+mn-ea"/>
+                <a:cs typeface="+mn-cs"/>
+              </a:defRPr>
+            </a:lvl3pPr>
+            <a:lvl4pPr marL="1371600" algn="l" defTabSz="914400" rtl="0" eaLnBrk="1" latinLnBrk="0" hangingPunct="1">
+              <a:defRPr sz="1800" kern="1200">
+                <a:solidFill>
+                  <a:schemeClr val="tx1"/>
+                </a:solidFill>
+                <a:latin typeface="+mn-lt"/>
+                <a:ea typeface="+mn-ea"/>
+                <a:cs typeface="+mn-cs"/>
+              </a:defRPr>
+            </a:lvl4pPr>
+            <a:lvl5pPr marL="1828800" algn="l" defTabSz="914400" rtl="0" eaLnBrk="1" latinLnBrk="0" hangingPunct="1">
+              <a:defRPr sz="1800" kern="1200">
+                <a:solidFill>
+                  <a:schemeClr val="tx1"/>
+                </a:solidFill>
+                <a:latin typeface="+mn-lt"/>
+                <a:ea typeface="+mn-ea"/>
+                <a:cs typeface="+mn-cs"/>
+              </a:defRPr>
+            </a:lvl5pPr>
+            <a:lvl6pPr marL="2286000" algn="l" defTabSz="914400" rtl="0" eaLnBrk="1" latinLnBrk="0" hangingPunct="1">
+              <a:defRPr sz="1800" kern="1200">
+                <a:solidFill>
+                  <a:schemeClr val="tx1"/>
+                </a:solidFill>
+                <a:latin typeface="+mn-lt"/>
+                <a:ea typeface="+mn-ea"/>
+                <a:cs typeface="+mn-cs"/>
+              </a:defRPr>
+            </a:lvl6pPr>
+            <a:lvl7pPr marL="2743200" algn="l" defTabSz="914400" rtl="0" eaLnBrk="1" latinLnBrk="0" hangingPunct="1">
+              <a:defRPr sz="1800" kern="1200">
+                <a:solidFill>
+                  <a:schemeClr val="tx1"/>
+                </a:solidFill>
+                <a:latin typeface="+mn-lt"/>
+                <a:ea typeface="+mn-ea"/>
+                <a:cs typeface="+mn-cs"/>
+              </a:defRPr>
+            </a:lvl7pPr>
+            <a:lvl8pPr marL="3200400" algn="l" defTabSz="914400" rtl="0" eaLnBrk="1" latinLnBrk="0" hangingPunct="1">
+              <a:defRPr sz="1800" kern="1200">
+                <a:solidFill>
+                  <a:schemeClr val="tx1"/>
+                </a:solidFill>
+                <a:latin typeface="+mn-lt"/>
+                <a:ea typeface="+mn-ea"/>
+                <a:cs typeface="+mn-cs"/>
+              </a:defRPr>
+            </a:lvl8pPr>
+            <a:lvl9pPr marL="3657600" algn="l" defTabSz="914400" rtl="0" eaLnBrk="1" latinLnBrk="0" hangingPunct="1">
+              <a:defRPr sz="1800" kern="1200">
+                <a:solidFill>
+                  <a:schemeClr val="tx1"/>
+                </a:solidFill>
+                <a:latin typeface="+mn-lt"/>
+                <a:ea typeface="+mn-ea"/>
+                <a:cs typeface="+mn-cs"/>
+              </a:defRPr>
+            </a:lvl9pPr>
+          </a:lstStyle>
+          <a:p>
+            <a:fld id="{7299ED31-B6BD-4CFC-8C77-58961B6150E5}" type="datetime1">
+              <a:rPr lang="en-US" smtClean="0"/>
+              <a:pPr/>
+              <a:t>11/13/2016</a:t>
+            </a:fld>
+            <a:endParaRPr lang="en-US" dirty="0"/>
+          </a:p>
+        </p:txBody>
+      </p:sp>
+      <p:pic>
+        <p:nvPicPr>
+          <p:cNvPr id="77" name="Grafik 76"/>
+          <p:cNvPicPr>
+            <a:picLocks noChangeAspect="1"/>
+          </p:cNvPicPr>
+          <p:nvPr/>
+        </p:nvPicPr>
+        <p:blipFill>
+          <a:blip r:embed="rId3"/>
+          <a:stretch>
+            <a:fillRect/>
+          </a:stretch>
+        </p:blipFill>
+        <p:spPr>
+          <a:xfrm>
+            <a:off x="5724128" y="2235614"/>
+            <a:ext cx="1796478" cy="2160000"/>
+          </a:xfrm>
+          <a:prstGeom prst="rect">
+            <a:avLst/>
+          </a:prstGeom>
+        </p:spPr>
+      </p:pic>
+      <p:pic>
+        <p:nvPicPr>
+          <p:cNvPr id="118" name="Grafik 117"/>
+          <p:cNvPicPr>
+            <a:picLocks noChangeAspect="1"/>
+          </p:cNvPicPr>
+          <p:nvPr/>
+        </p:nvPicPr>
+        <p:blipFill>
+          <a:blip r:embed="rId4"/>
+          <a:stretch>
+            <a:fillRect/>
+          </a:stretch>
+        </p:blipFill>
+        <p:spPr>
+          <a:xfrm>
+            <a:off x="1580165" y="2220239"/>
+            <a:ext cx="1807089" cy="2160000"/>
+          </a:xfrm>
+          <a:prstGeom prst="rect">
+            <a:avLst/>
+          </a:prstGeom>
+        </p:spPr>
+      </p:pic>
+      <p:pic>
+        <p:nvPicPr>
+          <p:cNvPr id="10" name="Picture 2" descr="Image result for ethereum logo white png"/>
+          <p:cNvPicPr>
+            <a:picLocks noChangeAspect="1" noChangeArrowheads="1"/>
+          </p:cNvPicPr>
+          <p:nvPr/>
+        </p:nvPicPr>
+        <p:blipFill>
+          <a:blip r:embed="rId5">
+            <a:extLst>
+              <a:ext uri="{28A0092B-C50C-407E-A947-70E740481C1C}">
+                <a14:useLocalDpi xmlns:a14="http://schemas.microsoft.com/office/drawing/2010/main" val="0"/>
+              </a:ext>
+            </a:extLst>
+          </a:blip>
+          <a:srcRect/>
+          <a:stretch>
+            <a:fillRect/>
+          </a:stretch>
+        </p:blipFill>
+        <p:spPr bwMode="auto">
+          <a:xfrm>
+            <a:off x="3461370" y="2204864"/>
+            <a:ext cx="2190750" cy="2190750"/>
+          </a:xfrm>
+          <a:prstGeom prst="rect">
+            <a:avLst/>
+          </a:prstGeom>
+          <a:noFill/>
+          <a:extLst>
+            <a:ext uri="{909E8E84-426E-40DD-AFC4-6F175D3DCCD1}">
+              <a14:hiddenFill xmlns:a14="http://schemas.microsoft.com/office/drawing/2010/main">
+                <a:solidFill>
+                  <a:srgbClr val="FFFFFF"/>
+                </a:solidFill>
+              </a14:hiddenFill>
+            </a:ext>
+          </a:extLst>
+        </p:spPr>
+      </p:pic>
+    </p:spTree>
+    <p:extLst>
+      <p:ext uri="{BB962C8B-B14F-4D97-AF65-F5344CB8AC3E}">
+        <p14:creationId xmlns:p14="http://schemas.microsoft.com/office/powerpoint/2010/main" val="1734986679"/>
+      </p:ext>
+    </p:extLst>
+  </p:cSld>
+  <p:clrMapOvr>
+    <a:masterClrMapping/>
+  </p:clrMapOvr>
+  <p:transition>
+    <p:fade/>
+  </p:transition>
+</p:sld>
+</file>
+
+<file path=ppt/slides/slide5.xml><?xml version="1.0" encoding="utf-8"?>
+<p:sld xmlns:a="http://schemas.openxmlformats.org/drawingml/2006/main" xmlns:r="http://schemas.openxmlformats.org/officeDocument/2006/relationships" xmlns:p="http://schemas.openxmlformats.org/presentationml/2006/main">
+  <p:cSld>
+    <p:spTree>
+      <p:nvGrpSpPr>
+        <p:cNvPr id="1" name=""/>
+        <p:cNvGrpSpPr/>
+        <p:nvPr/>
+      </p:nvGrpSpPr>
+      <p:grpSpPr>
+        <a:xfrm>
+          <a:off x="0" y="0"/>
+          <a:ext cx="0" cy="0"/>
+          <a:chOff x="0" y="0"/>
+          <a:chExt cx="0" cy="0"/>
+        </a:xfrm>
+      </p:grpSpPr>
+      <p:sp>
+        <p:nvSpPr>
           <p:cNvPr id="5" name="Foliennummernplatzhalter 4"/>
           <p:cNvSpPr>
             <a:spLocks noGrp="1"/>
@@ -18122,7 +18607,7 @@
                 </a:solidFill>
               </a:rPr>
               <a:pPr/>
-              <a:t>4</a:t>
+              <a:t>5</a:t>
             </a:fld>
             <a:endParaRPr lang="en-US" sz="600" dirty="0">
               <a:solidFill>
@@ -18307,9 +18792,7 @@
             <a:avLst/>
           </a:prstGeom>
           <a:solidFill>
-            <a:schemeClr val="bg1">
-              <a:lumMod val="75000"/>
-            </a:schemeClr>
+            <a:srgbClr val="92D050"/>
           </a:solidFill>
         </p:spPr>
         <p:style>
@@ -18432,9 +18915,7 @@
             <a:avLst/>
           </a:prstGeom>
           <a:solidFill>
-            <a:schemeClr val="bg1">
-              <a:lumMod val="75000"/>
-            </a:schemeClr>
+            <a:srgbClr val="92D050"/>
           </a:solidFill>
         </p:spPr>
         <p:style>
@@ -18544,9 +19025,7 @@
             <a:avLst/>
           </a:prstGeom>
           <a:solidFill>
-            <a:schemeClr val="bg1">
-              <a:lumMod val="75000"/>
-            </a:schemeClr>
+            <a:srgbClr val="92D050"/>
           </a:solidFill>
         </p:spPr>
         <p:style>
@@ -18703,9 +19182,7 @@
             <a:avLst/>
           </a:prstGeom>
           <a:solidFill>
-            <a:schemeClr val="bg1">
-              <a:lumMod val="75000"/>
-            </a:schemeClr>
+            <a:srgbClr val="92D050"/>
           </a:solidFill>
         </p:spPr>
         <p:style>
@@ -19305,7 +19782,6 @@
           <p:cNvPr id="70" name="Gekrümmter Verbinder 69"/>
           <p:cNvCxnSpPr>
             <a:stCxn id="61" idx="3"/>
-            <a:endCxn id="72" idx="3"/>
           </p:cNvCxnSpPr>
           <p:nvPr/>
         </p:nvCxnSpPr>
@@ -19341,47 +19817,6 @@
           </a:fontRef>
         </p:style>
       </p:cxnSp>
-      <p:pic>
-        <p:nvPicPr>
-          <p:cNvPr id="72" name="Picture 4" descr="Free stick figure vector clip art free vector for free download"/>
-          <p:cNvPicPr>
-            <a:picLocks noChangeAspect="1" noChangeArrowheads="1"/>
-          </p:cNvPicPr>
-          <p:nvPr/>
-        </p:nvPicPr>
-        <p:blipFill>
-          <a:blip r:embed="rId2" cstate="print">
-            <a:extLst>
-              <a:ext uri="{28A0092B-C50C-407E-A947-70E740481C1C}">
-                <a14:useLocalDpi xmlns:a14="http://schemas.microsoft.com/office/drawing/2010/main" val="0"/>
-              </a:ext>
-            </a:extLst>
-          </a:blip>
-          <a:srcRect/>
-          <a:stretch>
-            <a:fillRect/>
-          </a:stretch>
-        </p:blipFill>
-        <p:spPr bwMode="auto">
-          <a:xfrm>
-            <a:off x="7318770" y="121044"/>
-            <a:ext cx="804302" cy="1309687"/>
-          </a:xfrm>
-          <a:prstGeom prst="rect">
-            <a:avLst/>
-          </a:prstGeom>
-          <a:noFill/>
-          <a:extLst>
-            <a:ext uri="{909E8E84-426E-40DD-AFC4-6F175D3DCCD1}">
-              <a14:hiddenFill xmlns:a14="http://schemas.microsoft.com/office/drawing/2010/main">
-                <a:solidFill>
-                  <a:srgbClr val="FFFFFF"/>
-                </a:solidFill>
-              </a14:hiddenFill>
-            </a:ext>
-          </a:extLst>
-        </p:spPr>
-      </p:pic>
       <p:cxnSp>
         <p:nvCxnSpPr>
           <p:cNvPr id="74" name="Gerade Verbindung mit Pfeil 73"/>
@@ -19789,7 +20224,7 @@
         </p:nvSpPr>
         <p:spPr>
           <a:xfrm>
-            <a:off x="4322724" y="1579919"/>
+            <a:off x="4355976" y="1579919"/>
             <a:ext cx="2317688" cy="307777"/>
           </a:xfrm>
           <a:prstGeom prst="rect">
@@ -20032,10 +20467,646 @@
           </a:p>
         </p:txBody>
       </p:sp>
+      <p:grpSp>
+        <p:nvGrpSpPr>
+          <p:cNvPr id="112" name="Gruppieren 111"/>
+          <p:cNvGrpSpPr/>
+          <p:nvPr/>
+        </p:nvGrpSpPr>
+        <p:grpSpPr>
+          <a:xfrm>
+            <a:off x="7688763" y="412055"/>
+            <a:ext cx="432048" cy="720080"/>
+            <a:chOff x="3887738" y="1052736"/>
+            <a:chExt cx="432048" cy="720080"/>
+          </a:xfrm>
+        </p:grpSpPr>
+        <p:cxnSp>
+          <p:nvCxnSpPr>
+            <p:cNvPr id="113" name="Gerade Verbindung 6"/>
+            <p:cNvCxnSpPr/>
+            <p:nvPr/>
+          </p:nvCxnSpPr>
+          <p:spPr bwMode="gray">
+            <a:xfrm>
+              <a:off x="3887738" y="1340768"/>
+              <a:ext cx="432048" cy="0"/>
+            </a:xfrm>
+            <a:prstGeom prst="line">
+              <a:avLst/>
+            </a:prstGeom>
+            <a:ln w="9525">
+              <a:solidFill>
+                <a:schemeClr val="tx1"/>
+              </a:solidFill>
+            </a:ln>
+          </p:spPr>
+          <p:style>
+            <a:lnRef idx="1">
+              <a:schemeClr val="accent1"/>
+            </a:lnRef>
+            <a:fillRef idx="0">
+              <a:schemeClr val="accent1"/>
+            </a:fillRef>
+            <a:effectRef idx="0">
+              <a:schemeClr val="accent1"/>
+            </a:effectRef>
+            <a:fontRef idx="minor">
+              <a:schemeClr val="tx1"/>
+            </a:fontRef>
+          </p:style>
+        </p:cxnSp>
+        <p:cxnSp>
+          <p:nvCxnSpPr>
+            <p:cNvPr id="114" name="Gerade Verbindung 7"/>
+            <p:cNvCxnSpPr/>
+            <p:nvPr/>
+          </p:nvCxnSpPr>
+          <p:spPr bwMode="gray">
+            <a:xfrm>
+              <a:off x="4103762" y="1268760"/>
+              <a:ext cx="186" cy="288032"/>
+            </a:xfrm>
+            <a:prstGeom prst="line">
+              <a:avLst/>
+            </a:prstGeom>
+            <a:ln w="9525">
+              <a:solidFill>
+                <a:schemeClr val="tx1"/>
+              </a:solidFill>
+            </a:ln>
+          </p:spPr>
+          <p:style>
+            <a:lnRef idx="1">
+              <a:schemeClr val="accent1"/>
+            </a:lnRef>
+            <a:fillRef idx="0">
+              <a:schemeClr val="accent1"/>
+            </a:fillRef>
+            <a:effectRef idx="0">
+              <a:schemeClr val="accent1"/>
+            </a:effectRef>
+            <a:fontRef idx="minor">
+              <a:schemeClr val="tx1"/>
+            </a:fontRef>
+          </p:style>
+        </p:cxnSp>
+        <p:sp>
+          <p:nvSpPr>
+            <p:cNvPr id="115" name="Ellipse 114"/>
+            <p:cNvSpPr/>
+            <p:nvPr/>
+          </p:nvSpPr>
+          <p:spPr bwMode="gray">
+            <a:xfrm>
+              <a:off x="3995750" y="1052736"/>
+              <a:ext cx="216024" cy="216024"/>
+            </a:xfrm>
+            <a:prstGeom prst="ellipse">
+              <a:avLst/>
+            </a:prstGeom>
+            <a:solidFill>
+              <a:schemeClr val="bg1"/>
+            </a:solidFill>
+            <a:ln w="9525">
+              <a:solidFill>
+                <a:schemeClr val="tx1"/>
+              </a:solidFill>
+            </a:ln>
+          </p:spPr>
+          <p:style>
+            <a:lnRef idx="2">
+              <a:schemeClr val="accent1">
+                <a:shade val="50000"/>
+              </a:schemeClr>
+            </a:lnRef>
+            <a:fillRef idx="1">
+              <a:schemeClr val="accent1"/>
+            </a:fillRef>
+            <a:effectRef idx="0">
+              <a:schemeClr val="accent1"/>
+            </a:effectRef>
+            <a:fontRef idx="minor">
+              <a:schemeClr val="lt1"/>
+            </a:fontRef>
+          </p:style>
+          <p:txBody>
+            <a:bodyPr rtlCol="0" anchor="ctr"/>
+            <a:lstStyle/>
+            <a:p>
+              <a:pPr algn="ctr"/>
+              <a:endParaRPr lang="en-US" sz="1400" dirty="0" err="1">
+                <a:solidFill>
+                  <a:schemeClr val="tx1"/>
+                </a:solidFill>
+              </a:endParaRPr>
+            </a:p>
+          </p:txBody>
+        </p:sp>
+        <p:cxnSp>
+          <p:nvCxnSpPr>
+            <p:cNvPr id="116" name="Gerade Verbindung 9"/>
+            <p:cNvCxnSpPr/>
+            <p:nvPr/>
+          </p:nvCxnSpPr>
+          <p:spPr bwMode="gray">
+            <a:xfrm flipV="1">
+              <a:off x="3923928" y="1556792"/>
+              <a:ext cx="179834" cy="216024"/>
+            </a:xfrm>
+            <a:prstGeom prst="line">
+              <a:avLst/>
+            </a:prstGeom>
+            <a:ln w="9525">
+              <a:solidFill>
+                <a:schemeClr val="tx1"/>
+              </a:solidFill>
+            </a:ln>
+          </p:spPr>
+          <p:style>
+            <a:lnRef idx="1">
+              <a:schemeClr val="accent1"/>
+            </a:lnRef>
+            <a:fillRef idx="0">
+              <a:schemeClr val="accent1"/>
+            </a:fillRef>
+            <a:effectRef idx="0">
+              <a:schemeClr val="accent1"/>
+            </a:effectRef>
+            <a:fontRef idx="minor">
+              <a:schemeClr val="tx1"/>
+            </a:fontRef>
+          </p:style>
+        </p:cxnSp>
+        <p:cxnSp>
+          <p:nvCxnSpPr>
+            <p:cNvPr id="117" name="Gerade Verbindung 10"/>
+            <p:cNvCxnSpPr/>
+            <p:nvPr/>
+          </p:nvCxnSpPr>
+          <p:spPr bwMode="gray">
+            <a:xfrm flipH="1" flipV="1">
+              <a:off x="4103762" y="1559769"/>
+              <a:ext cx="180206" cy="210666"/>
+            </a:xfrm>
+            <a:prstGeom prst="line">
+              <a:avLst/>
+            </a:prstGeom>
+            <a:ln w="9525">
+              <a:solidFill>
+                <a:schemeClr val="tx1"/>
+              </a:solidFill>
+            </a:ln>
+          </p:spPr>
+          <p:style>
+            <a:lnRef idx="1">
+              <a:schemeClr val="accent1"/>
+            </a:lnRef>
+            <a:fillRef idx="0">
+              <a:schemeClr val="accent1"/>
+            </a:fillRef>
+            <a:effectRef idx="0">
+              <a:schemeClr val="accent1"/>
+            </a:effectRef>
+            <a:fontRef idx="minor">
+              <a:schemeClr val="tx1"/>
+            </a:fontRef>
+          </p:style>
+        </p:cxnSp>
+      </p:grpSp>
+      <p:grpSp>
+        <p:nvGrpSpPr>
+          <p:cNvPr id="118" name="Gruppieren 117"/>
+          <p:cNvGrpSpPr/>
+          <p:nvPr/>
+        </p:nvGrpSpPr>
+        <p:grpSpPr>
+          <a:xfrm>
+            <a:off x="257723" y="413407"/>
+            <a:ext cx="432048" cy="720080"/>
+            <a:chOff x="3887738" y="1052736"/>
+            <a:chExt cx="432048" cy="720080"/>
+          </a:xfrm>
+        </p:grpSpPr>
+        <p:cxnSp>
+          <p:nvCxnSpPr>
+            <p:cNvPr id="119" name="Gerade Verbindung 6"/>
+            <p:cNvCxnSpPr/>
+            <p:nvPr/>
+          </p:nvCxnSpPr>
+          <p:spPr bwMode="gray">
+            <a:xfrm>
+              <a:off x="3887738" y="1340768"/>
+              <a:ext cx="432048" cy="0"/>
+            </a:xfrm>
+            <a:prstGeom prst="line">
+              <a:avLst/>
+            </a:prstGeom>
+            <a:ln w="9525">
+              <a:solidFill>
+                <a:schemeClr val="tx1"/>
+              </a:solidFill>
+            </a:ln>
+          </p:spPr>
+          <p:style>
+            <a:lnRef idx="1">
+              <a:schemeClr val="accent1"/>
+            </a:lnRef>
+            <a:fillRef idx="0">
+              <a:schemeClr val="accent1"/>
+            </a:fillRef>
+            <a:effectRef idx="0">
+              <a:schemeClr val="accent1"/>
+            </a:effectRef>
+            <a:fontRef idx="minor">
+              <a:schemeClr val="tx1"/>
+            </a:fontRef>
+          </p:style>
+        </p:cxnSp>
+        <p:cxnSp>
+          <p:nvCxnSpPr>
+            <p:cNvPr id="120" name="Gerade Verbindung 7"/>
+            <p:cNvCxnSpPr/>
+            <p:nvPr/>
+          </p:nvCxnSpPr>
+          <p:spPr bwMode="gray">
+            <a:xfrm>
+              <a:off x="4103762" y="1268760"/>
+              <a:ext cx="186" cy="288032"/>
+            </a:xfrm>
+            <a:prstGeom prst="line">
+              <a:avLst/>
+            </a:prstGeom>
+            <a:ln w="9525">
+              <a:solidFill>
+                <a:schemeClr val="tx1"/>
+              </a:solidFill>
+            </a:ln>
+          </p:spPr>
+          <p:style>
+            <a:lnRef idx="1">
+              <a:schemeClr val="accent1"/>
+            </a:lnRef>
+            <a:fillRef idx="0">
+              <a:schemeClr val="accent1"/>
+            </a:fillRef>
+            <a:effectRef idx="0">
+              <a:schemeClr val="accent1"/>
+            </a:effectRef>
+            <a:fontRef idx="minor">
+              <a:schemeClr val="tx1"/>
+            </a:fontRef>
+          </p:style>
+        </p:cxnSp>
+        <p:sp>
+          <p:nvSpPr>
+            <p:cNvPr id="121" name="Ellipse 120"/>
+            <p:cNvSpPr/>
+            <p:nvPr/>
+          </p:nvSpPr>
+          <p:spPr bwMode="gray">
+            <a:xfrm>
+              <a:off x="3995750" y="1052736"/>
+              <a:ext cx="216024" cy="216024"/>
+            </a:xfrm>
+            <a:prstGeom prst="ellipse">
+              <a:avLst/>
+            </a:prstGeom>
+            <a:solidFill>
+              <a:schemeClr val="bg1"/>
+            </a:solidFill>
+            <a:ln w="9525">
+              <a:solidFill>
+                <a:schemeClr val="tx1"/>
+              </a:solidFill>
+            </a:ln>
+          </p:spPr>
+          <p:style>
+            <a:lnRef idx="2">
+              <a:schemeClr val="accent1">
+                <a:shade val="50000"/>
+              </a:schemeClr>
+            </a:lnRef>
+            <a:fillRef idx="1">
+              <a:schemeClr val="accent1"/>
+            </a:fillRef>
+            <a:effectRef idx="0">
+              <a:schemeClr val="accent1"/>
+            </a:effectRef>
+            <a:fontRef idx="minor">
+              <a:schemeClr val="lt1"/>
+            </a:fontRef>
+          </p:style>
+          <p:txBody>
+            <a:bodyPr rtlCol="0" anchor="ctr"/>
+            <a:lstStyle/>
+            <a:p>
+              <a:pPr algn="ctr"/>
+              <a:endParaRPr lang="en-US" sz="1400" dirty="0" err="1">
+                <a:solidFill>
+                  <a:schemeClr val="tx1"/>
+                </a:solidFill>
+              </a:endParaRPr>
+            </a:p>
+          </p:txBody>
+        </p:sp>
+        <p:cxnSp>
+          <p:nvCxnSpPr>
+            <p:cNvPr id="122" name="Gerade Verbindung 9"/>
+            <p:cNvCxnSpPr/>
+            <p:nvPr/>
+          </p:nvCxnSpPr>
+          <p:spPr bwMode="gray">
+            <a:xfrm flipV="1">
+              <a:off x="3923928" y="1556792"/>
+              <a:ext cx="179834" cy="216024"/>
+            </a:xfrm>
+            <a:prstGeom prst="line">
+              <a:avLst/>
+            </a:prstGeom>
+            <a:ln w="9525">
+              <a:solidFill>
+                <a:schemeClr val="tx1"/>
+              </a:solidFill>
+            </a:ln>
+          </p:spPr>
+          <p:style>
+            <a:lnRef idx="1">
+              <a:schemeClr val="accent1"/>
+            </a:lnRef>
+            <a:fillRef idx="0">
+              <a:schemeClr val="accent1"/>
+            </a:fillRef>
+            <a:effectRef idx="0">
+              <a:schemeClr val="accent1"/>
+            </a:effectRef>
+            <a:fontRef idx="minor">
+              <a:schemeClr val="tx1"/>
+            </a:fontRef>
+          </p:style>
+        </p:cxnSp>
+        <p:cxnSp>
+          <p:nvCxnSpPr>
+            <p:cNvPr id="123" name="Gerade Verbindung 10"/>
+            <p:cNvCxnSpPr/>
+            <p:nvPr/>
+          </p:nvCxnSpPr>
+          <p:spPr bwMode="gray">
+            <a:xfrm flipH="1" flipV="1">
+              <a:off x="4103762" y="1559769"/>
+              <a:ext cx="180206" cy="210666"/>
+            </a:xfrm>
+            <a:prstGeom prst="line">
+              <a:avLst/>
+            </a:prstGeom>
+            <a:ln w="9525">
+              <a:solidFill>
+                <a:schemeClr val="tx1"/>
+              </a:solidFill>
+            </a:ln>
+          </p:spPr>
+          <p:style>
+            <a:lnRef idx="1">
+              <a:schemeClr val="accent1"/>
+            </a:lnRef>
+            <a:fillRef idx="0">
+              <a:schemeClr val="accent1"/>
+            </a:fillRef>
+            <a:effectRef idx="0">
+              <a:schemeClr val="accent1"/>
+            </a:effectRef>
+            <a:fontRef idx="minor">
+              <a:schemeClr val="tx1"/>
+            </a:fontRef>
+          </p:style>
+        </p:cxnSp>
+      </p:grpSp>
     </p:spTree>
     <p:extLst>
       <p:ext uri="{BB962C8B-B14F-4D97-AF65-F5344CB8AC3E}">
         <p14:creationId xmlns:p14="http://schemas.microsoft.com/office/powerpoint/2010/main" val="2277412309"/>
+      </p:ext>
+    </p:extLst>
+  </p:cSld>
+  <p:clrMapOvr>
+    <a:masterClrMapping/>
+  </p:clrMapOvr>
+  <p:transition>
+    <p:fade/>
+  </p:transition>
+</p:sld>
+</file>
+
+<file path=ppt/slides/slide6.xml><?xml version="1.0" encoding="utf-8"?>
+<p:sld xmlns:a="http://schemas.openxmlformats.org/drawingml/2006/main" xmlns:r="http://schemas.openxmlformats.org/officeDocument/2006/relationships" xmlns:p="http://schemas.openxmlformats.org/presentationml/2006/main">
+  <p:cSld>
+    <p:spTree>
+      <p:nvGrpSpPr>
+        <p:cNvPr id="1" name=""/>
+        <p:cNvGrpSpPr/>
+        <p:nvPr/>
+      </p:nvGrpSpPr>
+      <p:grpSpPr>
+        <a:xfrm>
+          <a:off x="0" y="0"/>
+          <a:ext cx="0" cy="0"/>
+          <a:chOff x="0" y="0"/>
+          <a:chExt cx="0" cy="0"/>
+        </a:xfrm>
+      </p:grpSpPr>
+      <p:pic>
+        <p:nvPicPr>
+          <p:cNvPr id="5" name="Grafik 4"/>
+          <p:cNvPicPr>
+            <a:picLocks noChangeAspect="1"/>
+          </p:cNvPicPr>
+          <p:nvPr/>
+        </p:nvPicPr>
+        <p:blipFill>
+          <a:blip r:embed="rId2" cstate="print">
+            <a:extLst>
+              <a:ext uri="{28A0092B-C50C-407E-A947-70E740481C1C}">
+                <a14:useLocalDpi xmlns:a14="http://schemas.microsoft.com/office/drawing/2010/main" val="0"/>
+              </a:ext>
+            </a:extLst>
+          </a:blip>
+          <a:stretch>
+            <a:fillRect/>
+          </a:stretch>
+        </p:blipFill>
+        <p:spPr>
+          <a:xfrm>
+            <a:off x="395536" y="1700808"/>
+            <a:ext cx="3803914" cy="2852936"/>
+          </a:xfrm>
+          <a:prstGeom prst="rect">
+            <a:avLst/>
+          </a:prstGeom>
+          <a:ln w="38100" cap="sq">
+            <a:solidFill>
+              <a:srgbClr val="000000"/>
+            </a:solidFill>
+            <a:prstDash val="solid"/>
+            <a:miter lim="800000"/>
+          </a:ln>
+          <a:effectLst>
+            <a:outerShdw blurRad="50800" dist="38100" dir="2700000" algn="tl" rotWithShape="0">
+              <a:srgbClr val="000000">
+                <a:alpha val="43000"/>
+              </a:srgbClr>
+            </a:outerShdw>
+          </a:effectLst>
+        </p:spPr>
+      </p:pic>
+      <p:pic>
+        <p:nvPicPr>
+          <p:cNvPr id="6" name="Grafik 5"/>
+          <p:cNvPicPr>
+            <a:picLocks noChangeAspect="1"/>
+          </p:cNvPicPr>
+          <p:nvPr/>
+        </p:nvPicPr>
+        <p:blipFill>
+          <a:blip r:embed="rId3" cstate="print">
+            <a:extLst>
+              <a:ext uri="{28A0092B-C50C-407E-A947-70E740481C1C}">
+                <a14:useLocalDpi xmlns:a14="http://schemas.microsoft.com/office/drawing/2010/main" val="0"/>
+              </a:ext>
+            </a:extLst>
+          </a:blip>
+          <a:stretch>
+            <a:fillRect/>
+          </a:stretch>
+        </p:blipFill>
+        <p:spPr>
+          <a:xfrm>
+            <a:off x="4067944" y="2636912"/>
+            <a:ext cx="4475989" cy="3356992"/>
+          </a:xfrm>
+          <a:prstGeom prst="rect">
+            <a:avLst/>
+          </a:prstGeom>
+          <a:ln w="38100" cap="sq">
+            <a:solidFill>
+              <a:srgbClr val="000000"/>
+            </a:solidFill>
+            <a:prstDash val="solid"/>
+            <a:miter lim="800000"/>
+          </a:ln>
+          <a:effectLst>
+            <a:outerShdw blurRad="50800" dist="38100" dir="2700000" algn="tl" rotWithShape="0">
+              <a:srgbClr val="000000">
+                <a:alpha val="43000"/>
+              </a:srgbClr>
+            </a:outerShdw>
+          </a:effectLst>
+        </p:spPr>
+      </p:pic>
+      <p:sp>
+        <p:nvSpPr>
+          <p:cNvPr id="7" name="Titel 6"/>
+          <p:cNvSpPr>
+            <a:spLocks noGrp="1"/>
+          </p:cNvSpPr>
+          <p:nvPr>
+            <p:ph type="title"/>
+          </p:nvPr>
+        </p:nvSpPr>
+        <p:spPr/>
+        <p:txBody>
+          <a:bodyPr/>
+          <a:lstStyle/>
+          <a:p>
+            <a:r>
+              <a:rPr lang="de-DE" sz="2400" dirty="0" err="1">
+                <a:solidFill>
+                  <a:schemeClr val="bg1"/>
+                </a:solidFill>
+              </a:rPr>
+              <a:t>Thanks</a:t>
+            </a:r>
+            <a:r>
+              <a:rPr lang="de-DE" sz="2400" dirty="0">
+                <a:solidFill>
+                  <a:schemeClr val="bg1"/>
+                </a:solidFill>
+              </a:rPr>
+              <a:t> </a:t>
+            </a:r>
+            <a:r>
+              <a:rPr lang="de-DE" sz="2400" dirty="0" err="1">
+                <a:solidFill>
+                  <a:schemeClr val="bg1"/>
+                </a:solidFill>
+              </a:rPr>
+              <a:t>for</a:t>
+            </a:r>
+            <a:r>
+              <a:rPr lang="de-DE" sz="2400" dirty="0">
+                <a:solidFill>
+                  <a:schemeClr val="bg1"/>
+                </a:solidFill>
+              </a:rPr>
+              <a:t> </a:t>
+            </a:r>
+            <a:r>
+              <a:rPr lang="de-DE" sz="2400" dirty="0" err="1">
+                <a:solidFill>
+                  <a:schemeClr val="bg1"/>
+                </a:solidFill>
+              </a:rPr>
+              <a:t>your</a:t>
+            </a:r>
+            <a:r>
+              <a:rPr lang="de-DE" sz="2400" dirty="0">
+                <a:solidFill>
+                  <a:schemeClr val="bg1"/>
+                </a:solidFill>
+              </a:rPr>
+              <a:t> </a:t>
+            </a:r>
+            <a:r>
+              <a:rPr lang="de-DE" sz="2400" dirty="0" err="1">
+                <a:solidFill>
+                  <a:schemeClr val="bg1"/>
+                </a:solidFill>
+              </a:rPr>
+              <a:t>attention</a:t>
+            </a:r>
+            <a:r>
+              <a:rPr lang="de-DE" sz="2400" dirty="0">
+                <a:solidFill>
+                  <a:schemeClr val="bg1"/>
+                </a:solidFill>
+              </a:rPr>
+              <a:t>!!!</a:t>
+            </a:r>
+          </a:p>
+        </p:txBody>
+      </p:sp>
+      <p:sp>
+        <p:nvSpPr>
+          <p:cNvPr id="9" name="Textplatzhalter 8"/>
+          <p:cNvSpPr>
+            <a:spLocks noGrp="1"/>
+          </p:cNvSpPr>
+          <p:nvPr>
+            <p:ph type="body" sz="quarter" idx="17"/>
+          </p:nvPr>
+        </p:nvSpPr>
+        <p:spPr/>
+        <p:txBody>
+          <a:bodyPr/>
+          <a:lstStyle/>
+          <a:p>
+            <a:endParaRPr lang="de-DE" dirty="0"/>
+          </a:p>
+        </p:txBody>
+      </p:sp>
+    </p:spTree>
+    <p:extLst>
+      <p:ext uri="{BB962C8B-B14F-4D97-AF65-F5344CB8AC3E}">
+        <p14:creationId xmlns:p14="http://schemas.microsoft.com/office/powerpoint/2010/main" val="4067493354"/>
       </p:ext>
     </p:extLst>
   </p:cSld>
